--- a/Robotics project.pptx
+++ b/Robotics project.pptx
@@ -234,7 +234,7 @@
           <a:p>
             <a:fld id="{4A123B57-0DF8-264D-B4A7-E16EDB8EAA38}" type="datetimeFigureOut">
               <a:rPr lang="en-GB" smtClean="0"/>
-              <a:t>12/10/2022</a:t>
+              <a:t>18/10/2022</a:t>
             </a:fld>
             <a:endParaRPr lang="en-GB"/>
           </a:p>
@@ -803,7 +803,7 @@
           <a:p>
             <a:fld id="{9997260B-7761-234A-A58B-BE03589496F3}" type="datetime3">
               <a:rPr lang="de-DE" smtClean="0"/>
-              <a:t>12/10/22</a:t>
+              <a:t>18/10/2022</a:t>
             </a:fld>
             <a:endParaRPr lang="en-GB"/>
           </a:p>
@@ -1015,7 +1015,7 @@
           <a:p>
             <a:fld id="{9997260B-7761-234A-A58B-BE03589496F3}" type="datetime3">
               <a:rPr lang="de-DE" smtClean="0"/>
-              <a:t>12/10/22</a:t>
+              <a:t>18/10/2022</a:t>
             </a:fld>
             <a:endParaRPr lang="en-GB"/>
           </a:p>
@@ -1232,7 +1232,7 @@
           <a:p>
             <a:fld id="{9997260B-7761-234A-A58B-BE03589496F3}" type="datetime3">
               <a:rPr lang="de-DE" smtClean="0"/>
-              <a:t>12/10/22</a:t>
+              <a:t>18/10/2022</a:t>
             </a:fld>
             <a:endParaRPr lang="en-GB"/>
           </a:p>
@@ -1519,7 +1519,7 @@
           <a:p>
             <a:fld id="{9997260B-7761-234A-A58B-BE03589496F3}" type="datetime3">
               <a:rPr lang="de-DE" smtClean="0"/>
-              <a:t>12/10/22</a:t>
+              <a:t>18/10/2022</a:t>
             </a:fld>
             <a:endParaRPr lang="en-GB"/>
           </a:p>
@@ -1803,7 +1803,7 @@
           <a:p>
             <a:fld id="{9997260B-7761-234A-A58B-BE03589496F3}" type="datetime3">
               <a:rPr lang="de-DE" smtClean="0"/>
-              <a:t>12/10/22</a:t>
+              <a:t>18/10/2022</a:t>
             </a:fld>
             <a:endParaRPr lang="en-GB"/>
           </a:p>
@@ -2129,7 +2129,7 @@
           <a:p>
             <a:fld id="{9997260B-7761-234A-A58B-BE03589496F3}" type="datetime3">
               <a:rPr lang="de-DE" smtClean="0"/>
-              <a:t>12/10/22</a:t>
+              <a:t>18/10/2022</a:t>
             </a:fld>
             <a:endParaRPr lang="en-GB"/>
           </a:p>
@@ -2597,7 +2597,7 @@
           <a:p>
             <a:fld id="{9997260B-7761-234A-A58B-BE03589496F3}" type="datetime3">
               <a:rPr lang="de-DE" smtClean="0"/>
-              <a:t>12/10/22</a:t>
+              <a:t>18/10/2022</a:t>
             </a:fld>
             <a:endParaRPr lang="en-GB"/>
           </a:p>
@@ -2799,7 +2799,7 @@
           <a:p>
             <a:fld id="{9997260B-7761-234A-A58B-BE03589496F3}" type="datetime3">
               <a:rPr lang="de-DE" smtClean="0"/>
-              <a:t>12/10/22</a:t>
+              <a:t>18/10/2022</a:t>
             </a:fld>
             <a:endParaRPr lang="en-GB"/>
           </a:p>
@@ -2918,7 +2918,7 @@
           <a:p>
             <a:fld id="{9997260B-7761-234A-A58B-BE03589496F3}" type="datetime3">
               <a:rPr lang="de-DE" smtClean="0"/>
-              <a:t>12/10/22</a:t>
+              <a:t>18/10/2022</a:t>
             </a:fld>
             <a:endParaRPr lang="en-GB"/>
           </a:p>
@@ -3238,7 +3238,7 @@
           <a:p>
             <a:fld id="{9997260B-7761-234A-A58B-BE03589496F3}" type="datetime3">
               <a:rPr lang="de-DE" smtClean="0"/>
-              <a:t>12/10/22</a:t>
+              <a:t>18/10/2022</a:t>
             </a:fld>
             <a:endParaRPr lang="en-GB"/>
           </a:p>
@@ -3538,7 +3538,7 @@
           <a:p>
             <a:fld id="{9997260B-7761-234A-A58B-BE03589496F3}" type="datetime3">
               <a:rPr lang="de-DE" smtClean="0"/>
-              <a:t>12/10/22</a:t>
+              <a:t>18/10/2022</a:t>
             </a:fld>
             <a:endParaRPr lang="en-GB"/>
           </a:p>
@@ -3787,7 +3787,7 @@
           <a:p>
             <a:fld id="{9997260B-7761-234A-A58B-BE03589496F3}" type="datetime3">
               <a:rPr lang="de-DE" smtClean="0"/>
-              <a:t>12/10/22</a:t>
+              <a:t>18/10/2022</a:t>
             </a:fld>
             <a:endParaRPr lang="en-GB"/>
           </a:p>
@@ -4376,7 +4376,7 @@
           <a:p>
             <a:fld id="{9997260B-7761-234A-A58B-BE03589496F3}" type="datetime3">
               <a:rPr lang="de-DE" smtClean="0"/>
-              <a:t>12/10/22</a:t>
+              <a:t>18/10/2022</a:t>
             </a:fld>
             <a:endParaRPr lang="en-GB"/>
           </a:p>
@@ -4494,7 +4494,7 @@
           <a:p>
             <a:fld id="{9997260B-7761-234A-A58B-BE03589496F3}" type="datetime3">
               <a:rPr lang="de-DE" smtClean="0"/>
-              <a:t>12/10/22</a:t>
+              <a:t>18/10/2022</a:t>
             </a:fld>
             <a:endParaRPr lang="en-GB"/>
           </a:p>
@@ -6001,7 +6001,7 @@
           <a:p>
             <a:fld id="{9997260B-7761-234A-A58B-BE03589496F3}" type="datetime3">
               <a:rPr lang="de-DE" smtClean="0"/>
-              <a:t>12/10/22</a:t>
+              <a:t>18/10/2022</a:t>
             </a:fld>
             <a:endParaRPr lang="en-GB"/>
           </a:p>
@@ -6287,7 +6287,7 @@
           <a:p>
             <a:fld id="{9997260B-7761-234A-A58B-BE03589496F3}" type="datetime3">
               <a:rPr lang="de-DE" smtClean="0"/>
-              <a:t>12/10/22</a:t>
+              <a:t>18/10/2022</a:t>
             </a:fld>
             <a:endParaRPr lang="en-GB"/>
           </a:p>
@@ -6932,7 +6932,7 @@
           <a:p>
             <a:fld id="{9997260B-7761-234A-A58B-BE03589496F3}" type="datetime3">
               <a:rPr lang="de-DE" smtClean="0"/>
-              <a:t>12/10/22</a:t>
+              <a:t>18/10/2022</a:t>
             </a:fld>
             <a:endParaRPr lang="en-GB"/>
           </a:p>
@@ -7240,7 +7240,7 @@
           <a:p>
             <a:fld id="{9997260B-7761-234A-A58B-BE03589496F3}" type="datetime3">
               <a:rPr lang="de-DE" smtClean="0"/>
-              <a:t>12/10/22</a:t>
+              <a:t>18/10/2022</a:t>
             </a:fld>
             <a:endParaRPr lang="en-GB"/>
           </a:p>
@@ -7795,7 +7795,7 @@
           <a:p>
             <a:fld id="{9997260B-7761-234A-A58B-BE03589496F3}" type="datetime3">
               <a:rPr lang="de-DE" smtClean="0"/>
-              <a:t>12/10/22</a:t>
+              <a:t>18/10/2022</a:t>
             </a:fld>
             <a:endParaRPr lang="en-GB"/>
           </a:p>
@@ -8569,7 +8569,7 @@
           <a:p>
             <a:fld id="{9997260B-7761-234A-A58B-BE03589496F3}" type="datetime3">
               <a:rPr lang="de-DE" smtClean="0"/>
-              <a:t>12/10/22</a:t>
+              <a:t>18/10/2022</a:t>
             </a:fld>
             <a:endParaRPr lang="en-GB"/>
           </a:p>
@@ -8900,7 +8900,7 @@
           <a:p>
             <a:fld id="{9997260B-7761-234A-A58B-BE03589496F3}" type="datetime3">
               <a:rPr lang="de-DE" smtClean="0"/>
-              <a:t>12/10/22</a:t>
+              <a:t>18/10/2022</a:t>
             </a:fld>
             <a:endParaRPr lang="en-GB"/>
           </a:p>
@@ -9112,7 +9112,7 @@
           <a:p>
             <a:fld id="{9997260B-7761-234A-A58B-BE03589496F3}" type="datetime3">
               <a:rPr lang="de-DE" smtClean="0"/>
-              <a:t>12/10/22</a:t>
+              <a:t>18/10/2022</a:t>
             </a:fld>
             <a:endParaRPr lang="en-GB"/>
           </a:p>
@@ -9239,8 +9239,8 @@
           </a:p>
         </p:txBody>
       </p:sp>
-      <mc:AlternateContent xmlns:mc="http://schemas.openxmlformats.org/markup-compatibility/2006" xmlns:a14="http://schemas.microsoft.com/office/drawing/2010/main">
-        <mc:Choice Requires="a14">
+      <mc:AlternateContent xmlns:mc="http://schemas.openxmlformats.org/markup-compatibility/2006">
+        <mc:Choice xmlns:a14="http://schemas.microsoft.com/office/drawing/2010/main" Requires="a14">
           <p:sp>
             <p:nvSpPr>
               <p:cNvPr id="3" name="Content Placeholder 2">
@@ -9313,18 +9313,18 @@
                       <m:t>−</m:t>
                     </m:r>
                     <m:r>
-                      <a:rPr lang="en-US" b="0" i="1" smtClean="0">
+                      <a:rPr lang="de-DE" b="0" i="1" smtClean="0">
                         <a:latin typeface="Cambria Math" panose="02040503050406030204" pitchFamily="18" charset="0"/>
                         <a:cs typeface="Arial"/>
                       </a:rPr>
-                      <m:t>18</m:t>
+                      <m:t>40</m:t>
                     </m:r>
                     <m:r>
                       <a:rPr lang="de-DE" b="0" i="1" smtClean="0">
                         <a:latin typeface="Cambria Math" panose="02040503050406030204" pitchFamily="18" charset="0"/>
                         <a:cs typeface="Arial"/>
                       </a:rPr>
-                      <m:t>0° </m:t>
+                      <m:t>° </m:t>
                     </m:r>
                     <m:r>
                       <a:rPr lang="de-DE" b="0" i="1" smtClean="0">
@@ -9338,7 +9338,21 @@
                         <a:latin typeface="Cambria Math" panose="02040503050406030204" pitchFamily="18" charset="0"/>
                         <a:cs typeface="Arial"/>
                       </a:rPr>
-                      <m:t> 0 </m:t>
+                      <m:t> 0</m:t>
+                    </m:r>
+                    <m:r>
+                      <a:rPr lang="de-DE" b="0" i="1" smtClean="0">
+                        <a:latin typeface="Cambria Math" panose="02040503050406030204" pitchFamily="18" charset="0"/>
+                        <a:cs typeface="Arial"/>
+                      </a:rPr>
+                      <m:t>𝑝𝑥</m:t>
+                    </m:r>
+                    <m:r>
+                      <a:rPr lang="de-DE" b="0" i="1" smtClean="0">
+                        <a:latin typeface="Cambria Math" panose="02040503050406030204" pitchFamily="18" charset="0"/>
+                        <a:cs typeface="Arial"/>
+                      </a:rPr>
+                      <m:t> </m:t>
                     </m:r>
                     <m:r>
                       <a:rPr lang="de-DE" b="0" i="1" smtClean="0">
@@ -9352,7 +9366,7 @@
                         <a:latin typeface="Cambria Math" panose="02040503050406030204" pitchFamily="18" charset="0"/>
                         <a:cs typeface="Arial"/>
                       </a:rPr>
-                      <m:t> 180° </m:t>
+                      <m:t> 40° </m:t>
                     </m:r>
                     <m:r>
                       <a:rPr lang="de-DE" b="0" i="1" smtClean="0">
@@ -9385,7 +9399,7 @@
             </p:txBody>
           </p:sp>
         </mc:Choice>
-        <mc:Fallback xmlns="">
+        <mc:Fallback>
           <p:sp>
             <p:nvSpPr>
               <p:cNvPr id="3" name="Content Placeholder 2">
@@ -9406,7 +9420,7 @@
               <a:blipFill>
                 <a:blip r:embed="rId2"/>
                 <a:stretch>
-                  <a:fillRect l="-1483" t="-2646"/>
+                  <a:fillRect l="-1403" t="-2601"/>
                 </a:stretch>
               </a:blipFill>
             </p:spPr>
@@ -9415,7 +9429,7 @@
               <a:lstStyle/>
               <a:p>
                 <a:r>
-                  <a:rPr lang="en-US">
+                  <a:rPr lang="en-DE">
                     <a:noFill/>
                   </a:rPr>
                   <a:t> </a:t>
@@ -9448,7 +9462,7 @@
           <a:p>
             <a:fld id="{9997260B-7761-234A-A58B-BE03589496F3}" type="datetime3">
               <a:rPr lang="de-DE" smtClean="0"/>
-              <a:t>12/10/22</a:t>
+              <a:t>18/10/2022</a:t>
             </a:fld>
             <a:endParaRPr lang="en-GB"/>
           </a:p>
@@ -9695,7 +9709,7 @@
           <a:p>
             <a:fld id="{9997260B-7761-234A-A58B-BE03589496F3}" type="datetime3">
               <a:rPr lang="de-DE" smtClean="0"/>
-              <a:t>12/10/22</a:t>
+              <a:t>18/10/2022</a:t>
             </a:fld>
             <a:endParaRPr lang="en-GB"/>
           </a:p>
@@ -10052,7 +10066,7 @@
           <a:p>
             <a:fld id="{9997260B-7761-234A-A58B-BE03589496F3}" type="datetime3">
               <a:rPr lang="de-DE" smtClean="0"/>
-              <a:t>12/10/22</a:t>
+              <a:t>18/10/2022</a:t>
             </a:fld>
             <a:endParaRPr lang="en-GB"/>
           </a:p>
@@ -10278,7 +10292,7 @@
           <a:p>
             <a:fld id="{9997260B-7761-234A-A58B-BE03589496F3}" type="datetime3">
               <a:rPr lang="de-DE" smtClean="0"/>
-              <a:t>12/10/22</a:t>
+              <a:t>18/10/2022</a:t>
             </a:fld>
             <a:endParaRPr lang="en-GB"/>
           </a:p>
@@ -10493,7 +10507,7 @@
           <a:p>
             <a:fld id="{9997260B-7761-234A-A58B-BE03589496F3}" type="datetime3">
               <a:rPr lang="de-DE" smtClean="0"/>
-              <a:t>12/10/22</a:t>
+              <a:t>18/10/2022</a:t>
             </a:fld>
             <a:endParaRPr lang="en-GB"/>
           </a:p>
@@ -10674,7 +10688,7 @@
           <a:p>
             <a:fld id="{9997260B-7761-234A-A58B-BE03589496F3}" type="datetime3">
               <a:rPr lang="de-DE" smtClean="0"/>
-              <a:t>12/10/22</a:t>
+              <a:t>18/10/2022</a:t>
             </a:fld>
             <a:endParaRPr lang="en-GB"/>
           </a:p>
@@ -11153,7 +11167,7 @@
           <a:p>
             <a:fld id="{9997260B-7761-234A-A58B-BE03589496F3}" type="datetime3">
               <a:rPr lang="de-DE" smtClean="0"/>
-              <a:t>12/10/22</a:t>
+              <a:t>18/10/2022</a:t>
             </a:fld>
             <a:endParaRPr lang="en-GB"/>
           </a:p>
@@ -11344,7 +11358,7 @@
           <a:p>
             <a:fld id="{B9548BB2-D6C2-2C41-B388-9AF3B5210BB8}" type="datetime3">
               <a:rPr lang="de-DE" smtClean="0"/>
-              <a:t>12/10/22</a:t>
+              <a:t>18/10/2022</a:t>
             </a:fld>
             <a:endParaRPr lang="en-GB"/>
           </a:p>
@@ -11563,7 +11577,7 @@
           <a:p>
             <a:fld id="{9997260B-7761-234A-A58B-BE03589496F3}" type="datetime3">
               <a:rPr lang="de-DE" smtClean="0"/>
-              <a:t>12/10/22</a:t>
+              <a:t>18/10/2022</a:t>
             </a:fld>
             <a:endParaRPr lang="en-GB"/>
           </a:p>
@@ -11829,7 +11843,7 @@
           <a:p>
             <a:fld id="{9997260B-7761-234A-A58B-BE03589496F3}" type="datetime3">
               <a:rPr lang="de-DE" smtClean="0"/>
-              <a:t>12/10/22</a:t>
+              <a:t>18/10/2022</a:t>
             </a:fld>
             <a:endParaRPr lang="en-GB"/>
           </a:p>
@@ -12001,7 +12015,7 @@
           <a:p>
             <a:fld id="{9997260B-7761-234A-A58B-BE03589496F3}" type="datetime3">
               <a:rPr lang="de-DE" smtClean="0"/>
-              <a:t>12/10/22</a:t>
+              <a:t>18/10/2022</a:t>
             </a:fld>
             <a:endParaRPr lang="en-GB"/>
           </a:p>
@@ -12147,7 +12161,7 @@
           <a:p>
             <a:fld id="{9997260B-7761-234A-A58B-BE03589496F3}" type="datetime3">
               <a:rPr lang="de-DE" smtClean="0"/>
-              <a:t>12/10/22</a:t>
+              <a:t>18/10/2022</a:t>
             </a:fld>
             <a:endParaRPr lang="en-GB"/>
           </a:p>
@@ -13056,7 +13070,7 @@
           <a:p>
             <a:fld id="{9997260B-7761-234A-A58B-BE03589496F3}" type="datetime3">
               <a:rPr lang="de-DE" smtClean="0"/>
-              <a:t>12/10/22</a:t>
+              <a:t>18/10/2022</a:t>
             </a:fld>
             <a:endParaRPr lang="en-GB"/>
           </a:p>
@@ -13729,7 +13743,7 @@
           <a:p>
             <a:fld id="{9997260B-7761-234A-A58B-BE03589496F3}" type="datetime3">
               <a:rPr lang="de-DE" smtClean="0"/>
-              <a:t>12/10/22</a:t>
+              <a:t>18/10/2022</a:t>
             </a:fld>
             <a:endParaRPr lang="en-GB"/>
           </a:p>
@@ -15385,7 +15399,7 @@
           <a:p>
             <a:fld id="{9997260B-7761-234A-A58B-BE03589496F3}" type="datetime3">
               <a:rPr lang="de-DE" smtClean="0"/>
-              <a:t>12/10/22</a:t>
+              <a:t>18/10/2022</a:t>
             </a:fld>
             <a:endParaRPr lang="en-GB"/>
           </a:p>
